--- a/Coser面板配置.pptx
+++ b/Coser面板配置.pptx
@@ -262,7 +262,7 @@
           <a:p>
             <a:fld id="{26E62182-A66F-469C-AC9C-A1DBF0E6FBD3}" type="datetimeFigureOut">
               <a:rPr lang="zh-TW" altLang="en-US" smtClean="0"/>
-              <a:t>2017/5/3</a:t>
+              <a:t>2017/6/14</a:t>
             </a:fld>
             <a:endParaRPr lang="zh-TW" altLang="en-US"/>
           </a:p>
@@ -795,7 +795,7 @@
           <a:p>
             <a:fld id="{E8F8FEA8-692B-4AE6-8143-FB2DEF6CFDEF}" type="datetimeFigureOut">
               <a:rPr lang="zh-TW" altLang="en-US" smtClean="0"/>
-              <a:t>2017/5/3</a:t>
+              <a:t>2017/6/14</a:t>
             </a:fld>
             <a:endParaRPr lang="zh-TW" altLang="en-US"/>
           </a:p>
@@ -965,7 +965,7 @@
           <a:p>
             <a:fld id="{E8F8FEA8-692B-4AE6-8143-FB2DEF6CFDEF}" type="datetimeFigureOut">
               <a:rPr lang="zh-TW" altLang="en-US" smtClean="0"/>
-              <a:t>2017/5/3</a:t>
+              <a:t>2017/6/14</a:t>
             </a:fld>
             <a:endParaRPr lang="zh-TW" altLang="en-US"/>
           </a:p>
@@ -1145,7 +1145,7 @@
           <a:p>
             <a:fld id="{E8F8FEA8-692B-4AE6-8143-FB2DEF6CFDEF}" type="datetimeFigureOut">
               <a:rPr lang="zh-TW" altLang="en-US" smtClean="0"/>
-              <a:t>2017/5/3</a:t>
+              <a:t>2017/6/14</a:t>
             </a:fld>
             <a:endParaRPr lang="zh-TW" altLang="en-US"/>
           </a:p>
@@ -1315,7 +1315,7 @@
           <a:p>
             <a:fld id="{E8F8FEA8-692B-4AE6-8143-FB2DEF6CFDEF}" type="datetimeFigureOut">
               <a:rPr lang="zh-TW" altLang="en-US" smtClean="0"/>
-              <a:t>2017/5/3</a:t>
+              <a:t>2017/6/14</a:t>
             </a:fld>
             <a:endParaRPr lang="zh-TW" altLang="en-US"/>
           </a:p>
@@ -1561,7 +1561,7 @@
           <a:p>
             <a:fld id="{E8F8FEA8-692B-4AE6-8143-FB2DEF6CFDEF}" type="datetimeFigureOut">
               <a:rPr lang="zh-TW" altLang="en-US" smtClean="0"/>
-              <a:t>2017/5/3</a:t>
+              <a:t>2017/6/14</a:t>
             </a:fld>
             <a:endParaRPr lang="zh-TW" altLang="en-US"/>
           </a:p>
@@ -1849,7 +1849,7 @@
           <a:p>
             <a:fld id="{E8F8FEA8-692B-4AE6-8143-FB2DEF6CFDEF}" type="datetimeFigureOut">
               <a:rPr lang="zh-TW" altLang="en-US" smtClean="0"/>
-              <a:t>2017/5/3</a:t>
+              <a:t>2017/6/14</a:t>
             </a:fld>
             <a:endParaRPr lang="zh-TW" altLang="en-US"/>
           </a:p>
@@ -2271,7 +2271,7 @@
           <a:p>
             <a:fld id="{E8F8FEA8-692B-4AE6-8143-FB2DEF6CFDEF}" type="datetimeFigureOut">
               <a:rPr lang="zh-TW" altLang="en-US" smtClean="0"/>
-              <a:t>2017/5/3</a:t>
+              <a:t>2017/6/14</a:t>
             </a:fld>
             <a:endParaRPr lang="zh-TW" altLang="en-US"/>
           </a:p>
@@ -2389,7 +2389,7 @@
           <a:p>
             <a:fld id="{E8F8FEA8-692B-4AE6-8143-FB2DEF6CFDEF}" type="datetimeFigureOut">
               <a:rPr lang="zh-TW" altLang="en-US" smtClean="0"/>
-              <a:t>2017/5/3</a:t>
+              <a:t>2017/6/14</a:t>
             </a:fld>
             <a:endParaRPr lang="zh-TW" altLang="en-US"/>
           </a:p>
@@ -2484,7 +2484,7 @@
           <a:p>
             <a:fld id="{E8F8FEA8-692B-4AE6-8143-FB2DEF6CFDEF}" type="datetimeFigureOut">
               <a:rPr lang="zh-TW" altLang="en-US" smtClean="0"/>
-              <a:t>2017/5/3</a:t>
+              <a:t>2017/6/14</a:t>
             </a:fld>
             <a:endParaRPr lang="zh-TW" altLang="en-US"/>
           </a:p>
@@ -2761,7 +2761,7 @@
           <a:p>
             <a:fld id="{E8F8FEA8-692B-4AE6-8143-FB2DEF6CFDEF}" type="datetimeFigureOut">
               <a:rPr lang="zh-TW" altLang="en-US" smtClean="0"/>
-              <a:t>2017/5/3</a:t>
+              <a:t>2017/6/14</a:t>
             </a:fld>
             <a:endParaRPr lang="zh-TW" altLang="en-US"/>
           </a:p>
@@ -3014,7 +3014,7 @@
           <a:p>
             <a:fld id="{E8F8FEA8-692B-4AE6-8143-FB2DEF6CFDEF}" type="datetimeFigureOut">
               <a:rPr lang="zh-TW" altLang="en-US" smtClean="0"/>
-              <a:t>2017/5/3</a:t>
+              <a:t>2017/6/14</a:t>
             </a:fld>
             <a:endParaRPr lang="zh-TW" altLang="en-US"/>
           </a:p>
@@ -3227,7 +3227,7 @@
           <a:p>
             <a:fld id="{E8F8FEA8-692B-4AE6-8143-FB2DEF6CFDEF}" type="datetimeFigureOut">
               <a:rPr lang="zh-TW" altLang="en-US" smtClean="0"/>
-              <a:t>2017/5/3</a:t>
+              <a:t>2017/6/14</a:t>
             </a:fld>
             <a:endParaRPr lang="zh-TW" altLang="en-US"/>
           </a:p>
@@ -6183,8 +6183,8 @@
         </p:nvSpPr>
         <p:spPr>
           <a:xfrm>
-            <a:off x="2442146" y="3002647"/>
-            <a:ext cx="2440108" cy="2862322"/>
+            <a:off x="160231" y="3171977"/>
+            <a:ext cx="1747473" cy="2862322"/>
           </a:xfrm>
           <a:prstGeom prst="rect">
             <a:avLst/>
@@ -6253,8 +6253,8 @@
         </p:nvSpPr>
         <p:spPr>
           <a:xfrm>
-            <a:off x="5004048" y="2560344"/>
-            <a:ext cx="2835563" cy="3970318"/>
+            <a:off x="2249762" y="2617979"/>
+            <a:ext cx="4837105" cy="3970318"/>
           </a:xfrm>
           <a:prstGeom prst="rect">
             <a:avLst/>
